--- a/resources/logo - Copy.pptx
+++ b/resources/logo - Copy.pptx
@@ -262,7 +262,7 @@
           <a:p>
             <a:fld id="{F3CBFC1D-2E0E-4908-9F6D-C0C209CD12B3}" type="datetimeFigureOut">
               <a:rPr lang="nl-NL" smtClean="0"/>
-              <a:t>30-11-2019</a:t>
+              <a:t>28-5-2022</a:t>
             </a:fld>
             <a:endParaRPr lang="nl-NL"/>
           </a:p>
@@ -462,7 +462,7 @@
           <a:p>
             <a:fld id="{F3CBFC1D-2E0E-4908-9F6D-C0C209CD12B3}" type="datetimeFigureOut">
               <a:rPr lang="nl-NL" smtClean="0"/>
-              <a:t>30-11-2019</a:t>
+              <a:t>28-5-2022</a:t>
             </a:fld>
             <a:endParaRPr lang="nl-NL"/>
           </a:p>
@@ -672,7 +672,7 @@
           <a:p>
             <a:fld id="{F3CBFC1D-2E0E-4908-9F6D-C0C209CD12B3}" type="datetimeFigureOut">
               <a:rPr lang="nl-NL" smtClean="0"/>
-              <a:t>30-11-2019</a:t>
+              <a:t>28-5-2022</a:t>
             </a:fld>
             <a:endParaRPr lang="nl-NL"/>
           </a:p>
@@ -872,7 +872,7 @@
           <a:p>
             <a:fld id="{F3CBFC1D-2E0E-4908-9F6D-C0C209CD12B3}" type="datetimeFigureOut">
               <a:rPr lang="nl-NL" smtClean="0"/>
-              <a:t>30-11-2019</a:t>
+              <a:t>28-5-2022</a:t>
             </a:fld>
             <a:endParaRPr lang="nl-NL"/>
           </a:p>
@@ -1148,7 +1148,7 @@
           <a:p>
             <a:fld id="{F3CBFC1D-2E0E-4908-9F6D-C0C209CD12B3}" type="datetimeFigureOut">
               <a:rPr lang="nl-NL" smtClean="0"/>
-              <a:t>30-11-2019</a:t>
+              <a:t>28-5-2022</a:t>
             </a:fld>
             <a:endParaRPr lang="nl-NL"/>
           </a:p>
@@ -1416,7 +1416,7 @@
           <a:p>
             <a:fld id="{F3CBFC1D-2E0E-4908-9F6D-C0C209CD12B3}" type="datetimeFigureOut">
               <a:rPr lang="nl-NL" smtClean="0"/>
-              <a:t>30-11-2019</a:t>
+              <a:t>28-5-2022</a:t>
             </a:fld>
             <a:endParaRPr lang="nl-NL"/>
           </a:p>
@@ -1831,7 +1831,7 @@
           <a:p>
             <a:fld id="{F3CBFC1D-2E0E-4908-9F6D-C0C209CD12B3}" type="datetimeFigureOut">
               <a:rPr lang="nl-NL" smtClean="0"/>
-              <a:t>30-11-2019</a:t>
+              <a:t>28-5-2022</a:t>
             </a:fld>
             <a:endParaRPr lang="nl-NL"/>
           </a:p>
@@ -1973,7 +1973,7 @@
           <a:p>
             <a:fld id="{F3CBFC1D-2E0E-4908-9F6D-C0C209CD12B3}" type="datetimeFigureOut">
               <a:rPr lang="nl-NL" smtClean="0"/>
-              <a:t>30-11-2019</a:t>
+              <a:t>28-5-2022</a:t>
             </a:fld>
             <a:endParaRPr lang="nl-NL"/>
           </a:p>
@@ -2086,7 +2086,7 @@
           <a:p>
             <a:fld id="{F3CBFC1D-2E0E-4908-9F6D-C0C209CD12B3}" type="datetimeFigureOut">
               <a:rPr lang="nl-NL" smtClean="0"/>
-              <a:t>30-11-2019</a:t>
+              <a:t>28-5-2022</a:t>
             </a:fld>
             <a:endParaRPr lang="nl-NL"/>
           </a:p>
@@ -2399,7 +2399,7 @@
           <a:p>
             <a:fld id="{F3CBFC1D-2E0E-4908-9F6D-C0C209CD12B3}" type="datetimeFigureOut">
               <a:rPr lang="nl-NL" smtClean="0"/>
-              <a:t>30-11-2019</a:t>
+              <a:t>28-5-2022</a:t>
             </a:fld>
             <a:endParaRPr lang="nl-NL"/>
           </a:p>
@@ -2688,7 +2688,7 @@
           <a:p>
             <a:fld id="{F3CBFC1D-2E0E-4908-9F6D-C0C209CD12B3}" type="datetimeFigureOut">
               <a:rPr lang="nl-NL" smtClean="0"/>
-              <a:t>30-11-2019</a:t>
+              <a:t>28-5-2022</a:t>
             </a:fld>
             <a:endParaRPr lang="nl-NL"/>
           </a:p>
@@ -2931,7 +2931,7 @@
           <a:p>
             <a:fld id="{F3CBFC1D-2E0E-4908-9F6D-C0C209CD12B3}" type="datetimeFigureOut">
               <a:rPr lang="nl-NL" smtClean="0"/>
-              <a:t>30-11-2019</a:t>
+              <a:t>28-5-2022</a:t>
             </a:fld>
             <a:endParaRPr lang="nl-NL"/>
           </a:p>
@@ -16934,6 +16934,1066 @@
           </a:fontRef>
         </p:style>
       </p:cxnSp>
+      <p:sp>
+        <p:nvSpPr>
+          <p:cNvPr id="3" name="TextBox 2">
+            <a:extLst>
+              <a:ext uri="{FF2B5EF4-FFF2-40B4-BE49-F238E27FC236}">
+                <a16:creationId xmlns:a16="http://schemas.microsoft.com/office/drawing/2014/main" id="{76E407AA-1F2C-4313-AE9D-009DAC7E1768}"/>
+              </a:ext>
+            </a:extLst>
+          </p:cNvPr>
+          <p:cNvSpPr txBox="1"/>
+          <p:nvPr/>
+        </p:nvSpPr>
+        <p:spPr>
+          <a:xfrm>
+            <a:off x="3201273" y="1342892"/>
+            <a:ext cx="340005" cy="461665"/>
+          </a:xfrm>
+          <a:prstGeom prst="rect">
+            <a:avLst/>
+          </a:prstGeom>
+          <a:noFill/>
+        </p:spPr>
+        <p:txBody>
+          <a:bodyPr wrap="square" rtlCol="0">
+            <a:spAutoFit/>
+          </a:bodyPr>
+          <a:lstStyle/>
+          <a:p>
+            <a:r>
+              <a:rPr lang="en-US" sz="2400" dirty="0"/>
+              <a:t>{</a:t>
+            </a:r>
+            <a:endParaRPr lang="nl-NL" sz="2400" dirty="0"/>
+          </a:p>
+        </p:txBody>
+      </p:sp>
+      <p:sp>
+        <p:nvSpPr>
+          <p:cNvPr id="150" name="TextBox 149">
+            <a:extLst>
+              <a:ext uri="{FF2B5EF4-FFF2-40B4-BE49-F238E27FC236}">
+                <a16:creationId xmlns:a16="http://schemas.microsoft.com/office/drawing/2014/main" id="{63DB789A-C4DB-41DC-8773-AC7A048AED5B}"/>
+              </a:ext>
+            </a:extLst>
+          </p:cNvPr>
+          <p:cNvSpPr txBox="1"/>
+          <p:nvPr/>
+        </p:nvSpPr>
+        <p:spPr>
+          <a:xfrm>
+            <a:off x="3315755" y="956638"/>
+            <a:ext cx="413896" cy="646331"/>
+          </a:xfrm>
+          <a:prstGeom prst="rect">
+            <a:avLst/>
+          </a:prstGeom>
+          <a:noFill/>
+        </p:spPr>
+        <p:txBody>
+          <a:bodyPr wrap="none" rtlCol="0">
+            <a:spAutoFit/>
+          </a:bodyPr>
+          <a:lstStyle/>
+          <a:p>
+            <a:r>
+              <a:rPr lang="en-US" sz="3600" dirty="0"/>
+              <a:t>_</a:t>
+            </a:r>
+            <a:endParaRPr lang="nl-NL" sz="3600" dirty="0"/>
+          </a:p>
+        </p:txBody>
+      </p:sp>
+      <p:sp>
+        <p:nvSpPr>
+          <p:cNvPr id="151" name="TextBox 150">
+            <a:extLst>
+              <a:ext uri="{FF2B5EF4-FFF2-40B4-BE49-F238E27FC236}">
+                <a16:creationId xmlns:a16="http://schemas.microsoft.com/office/drawing/2014/main" id="{EFB25980-9445-4C1E-84EB-B3BD01711CB5}"/>
+              </a:ext>
+            </a:extLst>
+          </p:cNvPr>
+          <p:cNvSpPr txBox="1"/>
+          <p:nvPr/>
+        </p:nvSpPr>
+        <p:spPr>
+          <a:xfrm>
+            <a:off x="3315755" y="1018762"/>
+            <a:ext cx="413896" cy="646331"/>
+          </a:xfrm>
+          <a:prstGeom prst="rect">
+            <a:avLst/>
+          </a:prstGeom>
+          <a:noFill/>
+        </p:spPr>
+        <p:txBody>
+          <a:bodyPr wrap="none" rtlCol="0">
+            <a:spAutoFit/>
+          </a:bodyPr>
+          <a:lstStyle/>
+          <a:p>
+            <a:r>
+              <a:rPr lang="en-US" sz="3600" dirty="0"/>
+              <a:t>_</a:t>
+            </a:r>
+            <a:endParaRPr lang="nl-NL" sz="3600" dirty="0"/>
+          </a:p>
+        </p:txBody>
+      </p:sp>
+      <p:sp>
+        <p:nvSpPr>
+          <p:cNvPr id="152" name="TextBox 151">
+            <a:extLst>
+              <a:ext uri="{FF2B5EF4-FFF2-40B4-BE49-F238E27FC236}">
+                <a16:creationId xmlns:a16="http://schemas.microsoft.com/office/drawing/2014/main" id="{422B64FE-84BB-4857-9912-76FE0DAEAAFF}"/>
+              </a:ext>
+            </a:extLst>
+          </p:cNvPr>
+          <p:cNvSpPr txBox="1"/>
+          <p:nvPr/>
+        </p:nvSpPr>
+        <p:spPr>
+          <a:xfrm>
+            <a:off x="3315755" y="1080688"/>
+            <a:ext cx="413896" cy="646331"/>
+          </a:xfrm>
+          <a:prstGeom prst="rect">
+            <a:avLst/>
+          </a:prstGeom>
+          <a:noFill/>
+        </p:spPr>
+        <p:txBody>
+          <a:bodyPr wrap="none" rtlCol="0">
+            <a:spAutoFit/>
+          </a:bodyPr>
+          <a:lstStyle/>
+          <a:p>
+            <a:r>
+              <a:rPr lang="en-US" sz="3600" dirty="0"/>
+              <a:t>_</a:t>
+            </a:r>
+            <a:endParaRPr lang="nl-NL" sz="3600" dirty="0"/>
+          </a:p>
+        </p:txBody>
+      </p:sp>
+      <p:sp>
+        <p:nvSpPr>
+          <p:cNvPr id="153" name="TextBox 152">
+            <a:extLst>
+              <a:ext uri="{FF2B5EF4-FFF2-40B4-BE49-F238E27FC236}">
+                <a16:creationId xmlns:a16="http://schemas.microsoft.com/office/drawing/2014/main" id="{2BCD2DC9-AC75-48C2-B0EB-5DF8FAE5664A}"/>
+              </a:ext>
+            </a:extLst>
+          </p:cNvPr>
+          <p:cNvSpPr txBox="1"/>
+          <p:nvPr/>
+        </p:nvSpPr>
+        <p:spPr>
+          <a:xfrm>
+            <a:off x="3315755" y="1141615"/>
+            <a:ext cx="413896" cy="646331"/>
+          </a:xfrm>
+          <a:prstGeom prst="rect">
+            <a:avLst/>
+          </a:prstGeom>
+          <a:noFill/>
+        </p:spPr>
+        <p:txBody>
+          <a:bodyPr wrap="none" rtlCol="0">
+            <a:spAutoFit/>
+          </a:bodyPr>
+          <a:lstStyle/>
+          <a:p>
+            <a:r>
+              <a:rPr lang="en-US" sz="3600" dirty="0"/>
+              <a:t>_</a:t>
+            </a:r>
+            <a:endParaRPr lang="nl-NL" sz="3600" dirty="0"/>
+          </a:p>
+        </p:txBody>
+      </p:sp>
+      <p:sp>
+        <p:nvSpPr>
+          <p:cNvPr id="154" name="TextBox 153">
+            <a:extLst>
+              <a:ext uri="{FF2B5EF4-FFF2-40B4-BE49-F238E27FC236}">
+                <a16:creationId xmlns:a16="http://schemas.microsoft.com/office/drawing/2014/main" id="{1C7E4430-C95E-4360-9B64-C9D7BC837A2C}"/>
+              </a:ext>
+            </a:extLst>
+          </p:cNvPr>
+          <p:cNvSpPr txBox="1"/>
+          <p:nvPr/>
+        </p:nvSpPr>
+        <p:spPr>
+          <a:xfrm>
+            <a:off x="3708650" y="1342892"/>
+            <a:ext cx="340005" cy="461665"/>
+          </a:xfrm>
+          <a:prstGeom prst="rect">
+            <a:avLst/>
+          </a:prstGeom>
+          <a:noFill/>
+        </p:spPr>
+        <p:txBody>
+          <a:bodyPr wrap="square" rtlCol="0">
+            <a:spAutoFit/>
+          </a:bodyPr>
+          <a:lstStyle/>
+          <a:p>
+            <a:r>
+              <a:rPr lang="en-US" sz="2400" dirty="0"/>
+              <a:t>{</a:t>
+            </a:r>
+            <a:endParaRPr lang="nl-NL" sz="2400" dirty="0"/>
+          </a:p>
+        </p:txBody>
+      </p:sp>
+      <p:sp>
+        <p:nvSpPr>
+          <p:cNvPr id="155" name="TextBox 154">
+            <a:extLst>
+              <a:ext uri="{FF2B5EF4-FFF2-40B4-BE49-F238E27FC236}">
+                <a16:creationId xmlns:a16="http://schemas.microsoft.com/office/drawing/2014/main" id="{EC4EDD47-5600-4235-BB04-FE4092284D48}"/>
+              </a:ext>
+            </a:extLst>
+          </p:cNvPr>
+          <p:cNvSpPr txBox="1"/>
+          <p:nvPr/>
+        </p:nvSpPr>
+        <p:spPr>
+          <a:xfrm>
+            <a:off x="3823132" y="956638"/>
+            <a:ext cx="413896" cy="646331"/>
+          </a:xfrm>
+          <a:prstGeom prst="rect">
+            <a:avLst/>
+          </a:prstGeom>
+          <a:noFill/>
+        </p:spPr>
+        <p:txBody>
+          <a:bodyPr wrap="none" rtlCol="0">
+            <a:spAutoFit/>
+          </a:bodyPr>
+          <a:lstStyle/>
+          <a:p>
+            <a:r>
+              <a:rPr lang="en-US" sz="3600" dirty="0"/>
+              <a:t>_</a:t>
+            </a:r>
+            <a:endParaRPr lang="nl-NL" sz="3600" dirty="0"/>
+          </a:p>
+        </p:txBody>
+      </p:sp>
+      <p:sp>
+        <p:nvSpPr>
+          <p:cNvPr id="156" name="TextBox 155">
+            <a:extLst>
+              <a:ext uri="{FF2B5EF4-FFF2-40B4-BE49-F238E27FC236}">
+                <a16:creationId xmlns:a16="http://schemas.microsoft.com/office/drawing/2014/main" id="{7B4D7974-EA06-4341-A7D3-6343573032D7}"/>
+              </a:ext>
+            </a:extLst>
+          </p:cNvPr>
+          <p:cNvSpPr txBox="1"/>
+          <p:nvPr/>
+        </p:nvSpPr>
+        <p:spPr>
+          <a:xfrm>
+            <a:off x="3869852" y="1018762"/>
+            <a:ext cx="413896" cy="646331"/>
+          </a:xfrm>
+          <a:prstGeom prst="rect">
+            <a:avLst/>
+          </a:prstGeom>
+          <a:noFill/>
+        </p:spPr>
+        <p:txBody>
+          <a:bodyPr wrap="none" rtlCol="0">
+            <a:spAutoFit/>
+          </a:bodyPr>
+          <a:lstStyle/>
+          <a:p>
+            <a:r>
+              <a:rPr lang="en-US" sz="3600" dirty="0">
+                <a:solidFill>
+                  <a:schemeClr val="bg1">
+                    <a:lumMod val="50000"/>
+                  </a:schemeClr>
+                </a:solidFill>
+              </a:rPr>
+              <a:t>_</a:t>
+            </a:r>
+            <a:endParaRPr lang="nl-NL" sz="3600" dirty="0">
+              <a:solidFill>
+                <a:schemeClr val="bg1">
+                  <a:lumMod val="50000"/>
+                </a:schemeClr>
+              </a:solidFill>
+            </a:endParaRPr>
+          </a:p>
+        </p:txBody>
+      </p:sp>
+      <p:sp>
+        <p:nvSpPr>
+          <p:cNvPr id="157" name="TextBox 156">
+            <a:extLst>
+              <a:ext uri="{FF2B5EF4-FFF2-40B4-BE49-F238E27FC236}">
+                <a16:creationId xmlns:a16="http://schemas.microsoft.com/office/drawing/2014/main" id="{6991CA62-8862-4481-9AC4-F79ADBB7D16D}"/>
+              </a:ext>
+            </a:extLst>
+          </p:cNvPr>
+          <p:cNvSpPr txBox="1"/>
+          <p:nvPr/>
+        </p:nvSpPr>
+        <p:spPr>
+          <a:xfrm>
+            <a:off x="3869855" y="1080688"/>
+            <a:ext cx="413896" cy="646331"/>
+          </a:xfrm>
+          <a:prstGeom prst="rect">
+            <a:avLst/>
+          </a:prstGeom>
+          <a:noFill/>
+        </p:spPr>
+        <p:txBody>
+          <a:bodyPr wrap="none" rtlCol="0">
+            <a:spAutoFit/>
+          </a:bodyPr>
+          <a:lstStyle/>
+          <a:p>
+            <a:r>
+              <a:rPr lang="en-US" sz="3600" dirty="0">
+                <a:solidFill>
+                  <a:schemeClr val="bg1">
+                    <a:lumMod val="50000"/>
+                  </a:schemeClr>
+                </a:solidFill>
+              </a:rPr>
+              <a:t>_</a:t>
+            </a:r>
+            <a:endParaRPr lang="nl-NL" sz="3600" dirty="0">
+              <a:solidFill>
+                <a:schemeClr val="bg1">
+                  <a:lumMod val="50000"/>
+                </a:schemeClr>
+              </a:solidFill>
+            </a:endParaRPr>
+          </a:p>
+        </p:txBody>
+      </p:sp>
+      <p:sp>
+        <p:nvSpPr>
+          <p:cNvPr id="158" name="TextBox 157">
+            <a:extLst>
+              <a:ext uri="{FF2B5EF4-FFF2-40B4-BE49-F238E27FC236}">
+                <a16:creationId xmlns:a16="http://schemas.microsoft.com/office/drawing/2014/main" id="{06083E3E-B48A-40DC-B21A-02CBB566E619}"/>
+              </a:ext>
+            </a:extLst>
+          </p:cNvPr>
+          <p:cNvSpPr txBox="1"/>
+          <p:nvPr/>
+        </p:nvSpPr>
+        <p:spPr>
+          <a:xfrm>
+            <a:off x="3823132" y="1141615"/>
+            <a:ext cx="413896" cy="646331"/>
+          </a:xfrm>
+          <a:prstGeom prst="rect">
+            <a:avLst/>
+          </a:prstGeom>
+          <a:noFill/>
+        </p:spPr>
+        <p:txBody>
+          <a:bodyPr wrap="none" rtlCol="0">
+            <a:spAutoFit/>
+          </a:bodyPr>
+          <a:lstStyle/>
+          <a:p>
+            <a:r>
+              <a:rPr lang="en-US" sz="3600" dirty="0"/>
+              <a:t>_</a:t>
+            </a:r>
+            <a:endParaRPr lang="nl-NL" sz="3600" dirty="0"/>
+          </a:p>
+        </p:txBody>
+      </p:sp>
+      <p:sp>
+        <p:nvSpPr>
+          <p:cNvPr id="9" name="TextBox 8">
+            <a:extLst>
+              <a:ext uri="{FF2B5EF4-FFF2-40B4-BE49-F238E27FC236}">
+                <a16:creationId xmlns:a16="http://schemas.microsoft.com/office/drawing/2014/main" id="{30146FD8-412B-4ACD-9C14-E6E5C23C1201}"/>
+              </a:ext>
+            </a:extLst>
+          </p:cNvPr>
+          <p:cNvSpPr txBox="1"/>
+          <p:nvPr/>
+        </p:nvSpPr>
+        <p:spPr>
+          <a:xfrm>
+            <a:off x="3784500" y="1458681"/>
+            <a:ext cx="245580" cy="246221"/>
+          </a:xfrm>
+          <a:prstGeom prst="rect">
+            <a:avLst/>
+          </a:prstGeom>
+          <a:noFill/>
+        </p:spPr>
+        <p:txBody>
+          <a:bodyPr wrap="none" rtlCol="0">
+            <a:spAutoFit/>
+          </a:bodyPr>
+          <a:lstStyle/>
+          <a:p>
+            <a:r>
+              <a:rPr lang="en-US" sz="1000" spc="-150" dirty="0">
+                <a:solidFill>
+                  <a:schemeClr val="bg1">
+                    <a:lumMod val="50000"/>
+                  </a:schemeClr>
+                </a:solidFill>
+              </a:rPr>
+              <a:t>//</a:t>
+            </a:r>
+            <a:endParaRPr lang="nl-NL" sz="1000" spc="-150" dirty="0">
+              <a:solidFill>
+                <a:schemeClr val="bg1">
+                  <a:lumMod val="50000"/>
+                </a:schemeClr>
+              </a:solidFill>
+            </a:endParaRPr>
+          </a:p>
+        </p:txBody>
+      </p:sp>
+      <p:sp>
+        <p:nvSpPr>
+          <p:cNvPr id="159" name="TextBox 158">
+            <a:extLst>
+              <a:ext uri="{FF2B5EF4-FFF2-40B4-BE49-F238E27FC236}">
+                <a16:creationId xmlns:a16="http://schemas.microsoft.com/office/drawing/2014/main" id="{F2247C97-E687-4763-9AF3-112CE8791982}"/>
+              </a:ext>
+            </a:extLst>
+          </p:cNvPr>
+          <p:cNvSpPr txBox="1"/>
+          <p:nvPr/>
+        </p:nvSpPr>
+        <p:spPr>
+          <a:xfrm>
+            <a:off x="4282934" y="1353427"/>
+            <a:ext cx="340005" cy="461665"/>
+          </a:xfrm>
+          <a:prstGeom prst="rect">
+            <a:avLst/>
+          </a:prstGeom>
+          <a:noFill/>
+        </p:spPr>
+        <p:txBody>
+          <a:bodyPr wrap="square" rtlCol="0">
+            <a:spAutoFit/>
+          </a:bodyPr>
+          <a:lstStyle/>
+          <a:p>
+            <a:r>
+              <a:rPr lang="en-US" sz="2400" dirty="0"/>
+              <a:t>{</a:t>
+            </a:r>
+            <a:endParaRPr lang="nl-NL" sz="2400" dirty="0"/>
+          </a:p>
+        </p:txBody>
+      </p:sp>
+      <p:sp>
+        <p:nvSpPr>
+          <p:cNvPr id="160" name="TextBox 159">
+            <a:extLst>
+              <a:ext uri="{FF2B5EF4-FFF2-40B4-BE49-F238E27FC236}">
+                <a16:creationId xmlns:a16="http://schemas.microsoft.com/office/drawing/2014/main" id="{27519850-D95B-49A7-A196-39116A2CA8D7}"/>
+              </a:ext>
+            </a:extLst>
+          </p:cNvPr>
+          <p:cNvSpPr txBox="1"/>
+          <p:nvPr/>
+        </p:nvSpPr>
+        <p:spPr>
+          <a:xfrm>
+            <a:off x="4397416" y="967173"/>
+            <a:ext cx="413896" cy="646331"/>
+          </a:xfrm>
+          <a:prstGeom prst="rect">
+            <a:avLst/>
+          </a:prstGeom>
+          <a:noFill/>
+        </p:spPr>
+        <p:txBody>
+          <a:bodyPr wrap="none" rtlCol="0">
+            <a:spAutoFit/>
+          </a:bodyPr>
+          <a:lstStyle/>
+          <a:p>
+            <a:r>
+              <a:rPr lang="en-US" sz="3600" dirty="0"/>
+              <a:t>_</a:t>
+            </a:r>
+            <a:endParaRPr lang="nl-NL" sz="3600" dirty="0"/>
+          </a:p>
+        </p:txBody>
+      </p:sp>
+      <p:sp>
+        <p:nvSpPr>
+          <p:cNvPr id="161" name="TextBox 160">
+            <a:extLst>
+              <a:ext uri="{FF2B5EF4-FFF2-40B4-BE49-F238E27FC236}">
+                <a16:creationId xmlns:a16="http://schemas.microsoft.com/office/drawing/2014/main" id="{3D26E6C4-96F5-4877-930F-2A5CBD080C71}"/>
+              </a:ext>
+            </a:extLst>
+          </p:cNvPr>
+          <p:cNvSpPr txBox="1"/>
+          <p:nvPr/>
+        </p:nvSpPr>
+        <p:spPr>
+          <a:xfrm>
+            <a:off x="4444136" y="1029297"/>
+            <a:ext cx="413896" cy="646331"/>
+          </a:xfrm>
+          <a:prstGeom prst="rect">
+            <a:avLst/>
+          </a:prstGeom>
+          <a:noFill/>
+        </p:spPr>
+        <p:txBody>
+          <a:bodyPr wrap="none" rtlCol="0">
+            <a:spAutoFit/>
+          </a:bodyPr>
+          <a:lstStyle/>
+          <a:p>
+            <a:r>
+              <a:rPr lang="en-US" sz="3600" dirty="0"/>
+              <a:t>_</a:t>
+            </a:r>
+            <a:endParaRPr lang="nl-NL" sz="3600" dirty="0"/>
+          </a:p>
+        </p:txBody>
+      </p:sp>
+      <p:sp>
+        <p:nvSpPr>
+          <p:cNvPr id="162" name="TextBox 161">
+            <a:extLst>
+              <a:ext uri="{FF2B5EF4-FFF2-40B4-BE49-F238E27FC236}">
+                <a16:creationId xmlns:a16="http://schemas.microsoft.com/office/drawing/2014/main" id="{C6F12BB2-18B3-41A3-A94D-53732BBDB2C7}"/>
+              </a:ext>
+            </a:extLst>
+          </p:cNvPr>
+          <p:cNvSpPr txBox="1"/>
+          <p:nvPr/>
+        </p:nvSpPr>
+        <p:spPr>
+          <a:xfrm>
+            <a:off x="4444139" y="1091223"/>
+            <a:ext cx="413896" cy="646331"/>
+          </a:xfrm>
+          <a:prstGeom prst="rect">
+            <a:avLst/>
+          </a:prstGeom>
+          <a:noFill/>
+        </p:spPr>
+        <p:txBody>
+          <a:bodyPr wrap="none" rtlCol="0">
+            <a:spAutoFit/>
+          </a:bodyPr>
+          <a:lstStyle/>
+          <a:p>
+            <a:r>
+              <a:rPr lang="en-US" sz="3600" dirty="0"/>
+              <a:t>_</a:t>
+            </a:r>
+            <a:endParaRPr lang="nl-NL" sz="3600" dirty="0"/>
+          </a:p>
+        </p:txBody>
+      </p:sp>
+      <p:sp>
+        <p:nvSpPr>
+          <p:cNvPr id="163" name="TextBox 162">
+            <a:extLst>
+              <a:ext uri="{FF2B5EF4-FFF2-40B4-BE49-F238E27FC236}">
+                <a16:creationId xmlns:a16="http://schemas.microsoft.com/office/drawing/2014/main" id="{0892A7FA-3E70-4ED8-81BA-466DA632E09C}"/>
+              </a:ext>
+            </a:extLst>
+          </p:cNvPr>
+          <p:cNvSpPr txBox="1"/>
+          <p:nvPr/>
+        </p:nvSpPr>
+        <p:spPr>
+          <a:xfrm>
+            <a:off x="4397416" y="1152150"/>
+            <a:ext cx="413896" cy="646331"/>
+          </a:xfrm>
+          <a:prstGeom prst="rect">
+            <a:avLst/>
+          </a:prstGeom>
+          <a:noFill/>
+        </p:spPr>
+        <p:txBody>
+          <a:bodyPr wrap="none" rtlCol="0">
+            <a:spAutoFit/>
+          </a:bodyPr>
+          <a:lstStyle/>
+          <a:p>
+            <a:r>
+              <a:rPr lang="en-US" sz="3600" dirty="0"/>
+              <a:t>_</a:t>
+            </a:r>
+            <a:endParaRPr lang="nl-NL" sz="3600" dirty="0"/>
+          </a:p>
+        </p:txBody>
+      </p:sp>
+      <p:sp>
+        <p:nvSpPr>
+          <p:cNvPr id="165" name="TextBox 164">
+            <a:extLst>
+              <a:ext uri="{FF2B5EF4-FFF2-40B4-BE49-F238E27FC236}">
+                <a16:creationId xmlns:a16="http://schemas.microsoft.com/office/drawing/2014/main" id="{9C5EBA72-0E28-4771-B0B4-D1E646B2CB5E}"/>
+              </a:ext>
+            </a:extLst>
+          </p:cNvPr>
+          <p:cNvSpPr txBox="1"/>
+          <p:nvPr/>
+        </p:nvSpPr>
+        <p:spPr>
+          <a:xfrm>
+            <a:off x="2472402" y="1326281"/>
+            <a:ext cx="340005" cy="461665"/>
+          </a:xfrm>
+          <a:prstGeom prst="rect">
+            <a:avLst/>
+          </a:prstGeom>
+          <a:noFill/>
+        </p:spPr>
+        <p:txBody>
+          <a:bodyPr wrap="square" rtlCol="0">
+            <a:spAutoFit/>
+          </a:bodyPr>
+          <a:lstStyle/>
+          <a:p>
+            <a:r>
+              <a:rPr lang="en-US" sz="2400" dirty="0"/>
+              <a:t>{</a:t>
+            </a:r>
+            <a:endParaRPr lang="nl-NL" sz="2400" dirty="0"/>
+          </a:p>
+        </p:txBody>
+      </p:sp>
+      <p:sp>
+        <p:nvSpPr>
+          <p:cNvPr id="166" name="TextBox 165">
+            <a:extLst>
+              <a:ext uri="{FF2B5EF4-FFF2-40B4-BE49-F238E27FC236}">
+                <a16:creationId xmlns:a16="http://schemas.microsoft.com/office/drawing/2014/main" id="{AE75D3D9-D823-43C4-BD37-7EA7BEA4954C}"/>
+              </a:ext>
+            </a:extLst>
+          </p:cNvPr>
+          <p:cNvSpPr txBox="1"/>
+          <p:nvPr/>
+        </p:nvSpPr>
+        <p:spPr>
+          <a:xfrm>
+            <a:off x="2586884" y="940027"/>
+            <a:ext cx="413896" cy="646331"/>
+          </a:xfrm>
+          <a:prstGeom prst="rect">
+            <a:avLst/>
+          </a:prstGeom>
+          <a:noFill/>
+        </p:spPr>
+        <p:txBody>
+          <a:bodyPr wrap="none" rtlCol="0">
+            <a:spAutoFit/>
+          </a:bodyPr>
+          <a:lstStyle/>
+          <a:p>
+            <a:r>
+              <a:rPr lang="en-US" sz="3600" dirty="0"/>
+              <a:t>_</a:t>
+            </a:r>
+            <a:endParaRPr lang="nl-NL" sz="3600" dirty="0"/>
+          </a:p>
+        </p:txBody>
+      </p:sp>
+      <p:sp>
+        <p:nvSpPr>
+          <p:cNvPr id="167" name="TextBox 166">
+            <a:extLst>
+              <a:ext uri="{FF2B5EF4-FFF2-40B4-BE49-F238E27FC236}">
+                <a16:creationId xmlns:a16="http://schemas.microsoft.com/office/drawing/2014/main" id="{9DFEADCF-E55A-4F6A-859A-F3BD728A0FDE}"/>
+              </a:ext>
+            </a:extLst>
+          </p:cNvPr>
+          <p:cNvSpPr txBox="1"/>
+          <p:nvPr/>
+        </p:nvSpPr>
+        <p:spPr>
+          <a:xfrm>
+            <a:off x="2633604" y="1002151"/>
+            <a:ext cx="413896" cy="646331"/>
+          </a:xfrm>
+          <a:prstGeom prst="rect">
+            <a:avLst/>
+          </a:prstGeom>
+          <a:noFill/>
+        </p:spPr>
+        <p:txBody>
+          <a:bodyPr wrap="none" rtlCol="0">
+            <a:spAutoFit/>
+          </a:bodyPr>
+          <a:lstStyle/>
+          <a:p>
+            <a:r>
+              <a:rPr lang="en-US" sz="3600" dirty="0"/>
+              <a:t>_</a:t>
+            </a:r>
+            <a:endParaRPr lang="nl-NL" sz="3600" dirty="0"/>
+          </a:p>
+        </p:txBody>
+      </p:sp>
+      <p:sp>
+        <p:nvSpPr>
+          <p:cNvPr id="168" name="TextBox 167">
+            <a:extLst>
+              <a:ext uri="{FF2B5EF4-FFF2-40B4-BE49-F238E27FC236}">
+                <a16:creationId xmlns:a16="http://schemas.microsoft.com/office/drawing/2014/main" id="{1E30ABA3-8A31-402D-9589-3256C203F55C}"/>
+              </a:ext>
+            </a:extLst>
+          </p:cNvPr>
+          <p:cNvSpPr txBox="1"/>
+          <p:nvPr/>
+        </p:nvSpPr>
+        <p:spPr>
+          <a:xfrm>
+            <a:off x="2633607" y="1064077"/>
+            <a:ext cx="413896" cy="646331"/>
+          </a:xfrm>
+          <a:prstGeom prst="rect">
+            <a:avLst/>
+          </a:prstGeom>
+          <a:noFill/>
+        </p:spPr>
+        <p:txBody>
+          <a:bodyPr wrap="none" rtlCol="0">
+            <a:spAutoFit/>
+          </a:bodyPr>
+          <a:lstStyle/>
+          <a:p>
+            <a:r>
+              <a:rPr lang="en-US" sz="3600" dirty="0"/>
+              <a:t>_</a:t>
+            </a:r>
+            <a:endParaRPr lang="nl-NL" sz="3600" dirty="0"/>
+          </a:p>
+        </p:txBody>
+      </p:sp>
+      <p:sp>
+        <p:nvSpPr>
+          <p:cNvPr id="169" name="TextBox 168">
+            <a:extLst>
+              <a:ext uri="{FF2B5EF4-FFF2-40B4-BE49-F238E27FC236}">
+                <a16:creationId xmlns:a16="http://schemas.microsoft.com/office/drawing/2014/main" id="{CA527933-C102-4E5B-BE1D-3C8C1C75B89F}"/>
+              </a:ext>
+            </a:extLst>
+          </p:cNvPr>
+          <p:cNvSpPr txBox="1"/>
+          <p:nvPr/>
+        </p:nvSpPr>
+        <p:spPr>
+          <a:xfrm>
+            <a:off x="2586884" y="1125004"/>
+            <a:ext cx="413896" cy="646331"/>
+          </a:xfrm>
+          <a:prstGeom prst="rect">
+            <a:avLst/>
+          </a:prstGeom>
+          <a:noFill/>
+        </p:spPr>
+        <p:txBody>
+          <a:bodyPr wrap="square" rtlCol="0">
+            <a:spAutoFit/>
+          </a:bodyPr>
+          <a:lstStyle/>
+          <a:p>
+            <a:r>
+              <a:rPr lang="en-US" sz="3600" dirty="0"/>
+              <a:t>_</a:t>
+            </a:r>
+            <a:endParaRPr lang="nl-NL" sz="3600" dirty="0"/>
+          </a:p>
+        </p:txBody>
+      </p:sp>
+      <p:sp>
+        <p:nvSpPr>
+          <p:cNvPr id="10" name="Isosceles Triangle 9">
+            <a:extLst>
+              <a:ext uri="{FF2B5EF4-FFF2-40B4-BE49-F238E27FC236}">
+                <a16:creationId xmlns:a16="http://schemas.microsoft.com/office/drawing/2014/main" id="{F3699113-ECA2-4620-BA4C-10E615C4C1D8}"/>
+              </a:ext>
+            </a:extLst>
+          </p:cNvPr>
+          <p:cNvSpPr/>
+          <p:nvPr/>
+        </p:nvSpPr>
+        <p:spPr>
+          <a:xfrm rot="5400000">
+            <a:off x="2618741" y="1525054"/>
+            <a:ext cx="135983" cy="88657"/>
+          </a:xfrm>
+          <a:prstGeom prst="triangle">
+            <a:avLst/>
+          </a:prstGeom>
+        </p:spPr>
+        <p:style>
+          <a:lnRef idx="1">
+            <a:schemeClr val="accent2"/>
+          </a:lnRef>
+          <a:fillRef idx="2">
+            <a:schemeClr val="accent2"/>
+          </a:fillRef>
+          <a:effectRef idx="1">
+            <a:schemeClr val="accent2"/>
+          </a:effectRef>
+          <a:fontRef idx="minor">
+            <a:schemeClr val="dk1"/>
+          </a:fontRef>
+        </p:style>
+        <p:txBody>
+          <a:bodyPr rtlCol="0" anchor="ctr"/>
+          <a:lstStyle/>
+          <a:p>
+            <a:pPr algn="ctr"/>
+            <a:endParaRPr lang="nl-NL"/>
+          </a:p>
+        </p:txBody>
+      </p:sp>
+      <p:sp>
+        <p:nvSpPr>
+          <p:cNvPr id="170" name="TextBox 169">
+            <a:extLst>
+              <a:ext uri="{FF2B5EF4-FFF2-40B4-BE49-F238E27FC236}">
+                <a16:creationId xmlns:a16="http://schemas.microsoft.com/office/drawing/2014/main" id="{8188641C-1E17-4750-B6A3-317B8FDDFCDA}"/>
+              </a:ext>
+            </a:extLst>
+          </p:cNvPr>
+          <p:cNvSpPr txBox="1"/>
+          <p:nvPr/>
+        </p:nvSpPr>
+        <p:spPr>
+          <a:xfrm>
+            <a:off x="1860659" y="1316219"/>
+            <a:ext cx="340005" cy="461665"/>
+          </a:xfrm>
+          <a:prstGeom prst="rect">
+            <a:avLst/>
+          </a:prstGeom>
+          <a:noFill/>
+        </p:spPr>
+        <p:txBody>
+          <a:bodyPr wrap="square" rtlCol="0">
+            <a:spAutoFit/>
+          </a:bodyPr>
+          <a:lstStyle/>
+          <a:p>
+            <a:r>
+              <a:rPr lang="en-US" sz="2400" dirty="0"/>
+              <a:t>{</a:t>
+            </a:r>
+            <a:endParaRPr lang="nl-NL" sz="2400" dirty="0"/>
+          </a:p>
+        </p:txBody>
+      </p:sp>
+      <p:sp>
+        <p:nvSpPr>
+          <p:cNvPr id="171" name="TextBox 170">
+            <a:extLst>
+              <a:ext uri="{FF2B5EF4-FFF2-40B4-BE49-F238E27FC236}">
+                <a16:creationId xmlns:a16="http://schemas.microsoft.com/office/drawing/2014/main" id="{B997D452-3C3D-473E-A8BB-EA5F1C404B0C}"/>
+              </a:ext>
+            </a:extLst>
+          </p:cNvPr>
+          <p:cNvSpPr txBox="1"/>
+          <p:nvPr/>
+        </p:nvSpPr>
+        <p:spPr>
+          <a:xfrm>
+            <a:off x="1975141" y="929965"/>
+            <a:ext cx="413896" cy="646331"/>
+          </a:xfrm>
+          <a:prstGeom prst="rect">
+            <a:avLst/>
+          </a:prstGeom>
+          <a:noFill/>
+        </p:spPr>
+        <p:txBody>
+          <a:bodyPr wrap="none" rtlCol="0">
+            <a:spAutoFit/>
+          </a:bodyPr>
+          <a:lstStyle/>
+          <a:p>
+            <a:r>
+              <a:rPr lang="en-US" sz="3600" dirty="0"/>
+              <a:t>_</a:t>
+            </a:r>
+            <a:endParaRPr lang="nl-NL" sz="3600" dirty="0"/>
+          </a:p>
+        </p:txBody>
+      </p:sp>
+      <p:sp>
+        <p:nvSpPr>
+          <p:cNvPr id="172" name="TextBox 171">
+            <a:extLst>
+              <a:ext uri="{FF2B5EF4-FFF2-40B4-BE49-F238E27FC236}">
+                <a16:creationId xmlns:a16="http://schemas.microsoft.com/office/drawing/2014/main" id="{A11D2FE1-FBD4-408E-BD97-C88CD5AD865B}"/>
+              </a:ext>
+            </a:extLst>
+          </p:cNvPr>
+          <p:cNvSpPr txBox="1"/>
+          <p:nvPr/>
+        </p:nvSpPr>
+        <p:spPr>
+          <a:xfrm>
+            <a:off x="2021861" y="992089"/>
+            <a:ext cx="413896" cy="646331"/>
+          </a:xfrm>
+          <a:prstGeom prst="rect">
+            <a:avLst/>
+          </a:prstGeom>
+          <a:noFill/>
+        </p:spPr>
+        <p:txBody>
+          <a:bodyPr wrap="none" rtlCol="0">
+            <a:spAutoFit/>
+          </a:bodyPr>
+          <a:lstStyle/>
+          <a:p>
+            <a:r>
+              <a:rPr lang="en-US" sz="3600" dirty="0"/>
+              <a:t>_</a:t>
+            </a:r>
+            <a:endParaRPr lang="nl-NL" sz="3600" dirty="0"/>
+          </a:p>
+        </p:txBody>
+      </p:sp>
+      <p:sp>
+        <p:nvSpPr>
+          <p:cNvPr id="173" name="TextBox 172">
+            <a:extLst>
+              <a:ext uri="{FF2B5EF4-FFF2-40B4-BE49-F238E27FC236}">
+                <a16:creationId xmlns:a16="http://schemas.microsoft.com/office/drawing/2014/main" id="{40AA15E5-161E-46DF-A811-8E914A7C47CC}"/>
+              </a:ext>
+            </a:extLst>
+          </p:cNvPr>
+          <p:cNvSpPr txBox="1"/>
+          <p:nvPr/>
+        </p:nvSpPr>
+        <p:spPr>
+          <a:xfrm>
+            <a:off x="2021864" y="1054015"/>
+            <a:ext cx="413896" cy="646331"/>
+          </a:xfrm>
+          <a:prstGeom prst="rect">
+            <a:avLst/>
+          </a:prstGeom>
+          <a:noFill/>
+        </p:spPr>
+        <p:txBody>
+          <a:bodyPr wrap="none" rtlCol="0">
+            <a:spAutoFit/>
+          </a:bodyPr>
+          <a:lstStyle/>
+          <a:p>
+            <a:r>
+              <a:rPr lang="en-US" sz="3600" dirty="0"/>
+              <a:t>_</a:t>
+            </a:r>
+            <a:endParaRPr lang="nl-NL" sz="3600" dirty="0"/>
+          </a:p>
+        </p:txBody>
+      </p:sp>
+      <p:sp>
+        <p:nvSpPr>
+          <p:cNvPr id="174" name="TextBox 173">
+            <a:extLst>
+              <a:ext uri="{FF2B5EF4-FFF2-40B4-BE49-F238E27FC236}">
+                <a16:creationId xmlns:a16="http://schemas.microsoft.com/office/drawing/2014/main" id="{823E38B8-0028-437B-984E-53C4D33E5DAA}"/>
+              </a:ext>
+            </a:extLst>
+          </p:cNvPr>
+          <p:cNvSpPr txBox="1"/>
+          <p:nvPr/>
+        </p:nvSpPr>
+        <p:spPr>
+          <a:xfrm>
+            <a:off x="1975141" y="1114942"/>
+            <a:ext cx="413896" cy="646331"/>
+          </a:xfrm>
+          <a:prstGeom prst="rect">
+            <a:avLst/>
+          </a:prstGeom>
+          <a:noFill/>
+        </p:spPr>
+        <p:txBody>
+          <a:bodyPr wrap="square" rtlCol="0">
+            <a:spAutoFit/>
+          </a:bodyPr>
+          <a:lstStyle/>
+          <a:p>
+            <a:r>
+              <a:rPr lang="en-US" sz="3600" dirty="0"/>
+              <a:t>_</a:t>
+            </a:r>
+            <a:endParaRPr lang="nl-NL" sz="3600" dirty="0"/>
+          </a:p>
+        </p:txBody>
+      </p:sp>
+      <p:sp>
+        <p:nvSpPr>
+          <p:cNvPr id="175" name="Isosceles Triangle 174">
+            <a:extLst>
+              <a:ext uri="{FF2B5EF4-FFF2-40B4-BE49-F238E27FC236}">
+                <a16:creationId xmlns:a16="http://schemas.microsoft.com/office/drawing/2014/main" id="{062AF1B9-40D9-4F70-888E-55A020D26CC8}"/>
+              </a:ext>
+            </a:extLst>
+          </p:cNvPr>
+          <p:cNvSpPr/>
+          <p:nvPr/>
+        </p:nvSpPr>
+        <p:spPr>
+          <a:xfrm rot="16200000">
+            <a:off x="1989254" y="1516816"/>
+            <a:ext cx="135983" cy="88657"/>
+          </a:xfrm>
+          <a:prstGeom prst="triangle">
+            <a:avLst/>
+          </a:prstGeom>
+        </p:spPr>
+        <p:style>
+          <a:lnRef idx="1">
+            <a:schemeClr val="accent2"/>
+          </a:lnRef>
+          <a:fillRef idx="2">
+            <a:schemeClr val="accent2"/>
+          </a:fillRef>
+          <a:effectRef idx="1">
+            <a:schemeClr val="accent2"/>
+          </a:effectRef>
+          <a:fontRef idx="minor">
+            <a:schemeClr val="dk1"/>
+          </a:fontRef>
+        </p:style>
+        <p:txBody>
+          <a:bodyPr rtlCol="0" anchor="ctr"/>
+          <a:lstStyle/>
+          <a:p>
+            <a:pPr algn="ctr"/>
+            <a:endParaRPr lang="nl-NL"/>
+          </a:p>
+        </p:txBody>
+      </p:sp>
     </p:spTree>
     <p:extLst>
       <p:ext uri="{BB962C8B-B14F-4D97-AF65-F5344CB8AC3E}">
